--- a/Mock ML Model/Machine Learning Blue Print.pptx
+++ b/Mock ML Model/Machine Learning Blue Print.pptx
@@ -111,6 +111,11 @@
       </a:defRPr>
     </a:lvl9pPr>
   </p:defaultTextStyle>
+  <p:extLst>
+    <p:ext uri="{EFAFB233-063F-42B5-8137-9DF3F51BA10A}">
+      <p15:sldGuideLst xmlns:p15="http://schemas.microsoft.com/office/powerpoint/2012/main"/>
+    </p:ext>
+  </p:extLst>
 </p:presentation>
 </file>
 
@@ -4210,7 +4215,7 @@
         <p:spPr>
           <a:xfrm>
             <a:off x="838200" y="365124"/>
-            <a:ext cx="10515600" cy="1325563"/>
+            <a:ext cx="11353800" cy="1325563"/>
           </a:xfrm>
         </p:spPr>
         <p:txBody>
@@ -4219,7 +4224,7 @@
           <a:p>
             <a:r>
               <a:rPr lang="en-US" dirty="0"/>
-              <a:t>Using Ensemble Learners</a:t>
+              <a:t>STEP 2: Train &amp; Evaluate Using Ensemble Learners</a:t>
             </a:r>
           </a:p>
         </p:txBody>
@@ -4371,14 +4376,14 @@
           <a:p>
             <a:r>
               <a:rPr lang="en-US" dirty="0"/>
-              <a:t>STEP 2: Compile, Train &amp; Evaluate the Model</a:t>
+              <a:t>STEP 3: Compile, Train &amp; Evaluate the Model</a:t>
             </a:r>
             <a:br>
               <a:rPr lang="en-US" dirty="0"/>
             </a:br>
             <a:r>
               <a:rPr lang="en-US" dirty="0"/>
-              <a:t>(Using Tensor Flow)</a:t>
+              <a:t>(Using Tensor Flow) in Deep Learning</a:t>
             </a:r>
           </a:p>
         </p:txBody>
